--- a/第１回UNIXゼミ.pptx
+++ b/第１回UNIXゼミ.pptx
@@ -1331,699 +1331,6 @@
       <dsp:cNvGrpSpPr/>
     </dsp:nvGrpSpPr>
     <dsp:grpSpPr/>
-    <dsp:sp modelId="{3E1AB341-0A83-4FC0-BB3D-11FDA44BEBB5}">
-      <dsp:nvSpPr>
-        <dsp:cNvPr id="0" name=""/>
-        <dsp:cNvSpPr/>
-      </dsp:nvSpPr>
-      <dsp:spPr>
-        <a:xfrm>
-          <a:off x="2308663" y="609"/>
-          <a:ext cx="1478673" cy="712613"/>
-        </a:xfrm>
-        <a:prstGeom prst="roundRect">
-          <a:avLst>
-            <a:gd name="adj" fmla="val 10000"/>
-          </a:avLst>
-        </a:prstGeom>
-        <a:solidFill>
-          <a:schemeClr val="accent1">
-            <a:hueOff val="0"/>
-            <a:satOff val="0"/>
-            <a:lumOff val="0"/>
-            <a:alphaOff val="0"/>
-          </a:schemeClr>
-        </a:solidFill>
-        <a:ln w="19050" cap="rnd" cmpd="sng" algn="ctr">
-          <a:solidFill>
-            <a:schemeClr val="lt1">
-              <a:hueOff val="0"/>
-              <a:satOff val="0"/>
-              <a:lumOff val="0"/>
-              <a:alphaOff val="0"/>
-            </a:schemeClr>
-          </a:solidFill>
-          <a:prstDash val="solid"/>
-        </a:ln>
-        <a:effectLst/>
-      </dsp:spPr>
-      <dsp:style>
-        <a:lnRef idx="2">
-          <a:scrgbClr r="0" g="0" b="0"/>
-        </a:lnRef>
-        <a:fillRef idx="1">
-          <a:scrgbClr r="0" g="0" b="0"/>
-        </a:fillRef>
-        <a:effectRef idx="0">
-          <a:scrgbClr r="0" g="0" b="0"/>
-        </a:effectRef>
-        <a:fontRef idx="minor">
-          <a:schemeClr val="lt1"/>
-        </a:fontRef>
-      </dsp:style>
-      <dsp:txBody>
-        <a:bodyPr spcFirstLastPara="0" vert="horz" wrap="square" lIns="76200" tIns="76200" rIns="76200" bIns="76200" numCol="1" spcCol="1270" anchor="ctr" anchorCtr="0">
-          <a:noAutofit/>
-        </a:bodyPr>
-        <a:lstStyle/>
-        <a:p>
-          <a:pPr lvl="0" algn="ctr" defTabSz="889000">
-            <a:lnSpc>
-              <a:spcPct val="90000"/>
-            </a:lnSpc>
-            <a:spcBef>
-              <a:spcPct val="0"/>
-            </a:spcBef>
-            <a:spcAft>
-              <a:spcPct val="35000"/>
-            </a:spcAft>
-          </a:pPr>
-          <a:r>
-            <a:rPr kumimoji="1" lang="ja-JP" altLang="en-US" sz="2000" kern="1200" dirty="0" smtClean="0"/>
-            <a:t>電源投入</a:t>
-          </a:r>
-          <a:endParaRPr kumimoji="1" lang="ja-JP" altLang="en-US" sz="2000" kern="1200" dirty="0"/>
-        </a:p>
-      </dsp:txBody>
-      <dsp:txXfrm>
-        <a:off x="2329535" y="21481"/>
-        <a:ext cx="1436929" cy="670869"/>
-      </dsp:txXfrm>
-    </dsp:sp>
-    <dsp:sp modelId="{33CBFAD6-316D-4E31-A48B-F1909072C54C}">
-      <dsp:nvSpPr>
-        <dsp:cNvPr id="0" name=""/>
-        <dsp:cNvSpPr/>
-      </dsp:nvSpPr>
-      <dsp:spPr>
-        <a:xfrm rot="5400000">
-          <a:off x="2914384" y="731037"/>
-          <a:ext cx="267230" cy="320676"/>
-        </a:xfrm>
-        <a:prstGeom prst="rightArrow">
-          <a:avLst>
-            <a:gd name="adj1" fmla="val 60000"/>
-            <a:gd name="adj2" fmla="val 50000"/>
-          </a:avLst>
-        </a:prstGeom>
-        <a:solidFill>
-          <a:schemeClr val="accent1">
-            <a:tint val="60000"/>
-            <a:hueOff val="0"/>
-            <a:satOff val="0"/>
-            <a:lumOff val="0"/>
-            <a:alphaOff val="0"/>
-          </a:schemeClr>
-        </a:solidFill>
-        <a:ln>
-          <a:noFill/>
-        </a:ln>
-        <a:effectLst/>
-      </dsp:spPr>
-      <dsp:style>
-        <a:lnRef idx="0">
-          <a:scrgbClr r="0" g="0" b="0"/>
-        </a:lnRef>
-        <a:fillRef idx="1">
-          <a:scrgbClr r="0" g="0" b="0"/>
-        </a:fillRef>
-        <a:effectRef idx="0">
-          <a:scrgbClr r="0" g="0" b="0"/>
-        </a:effectRef>
-        <a:fontRef idx="minor">
-          <a:schemeClr val="lt1"/>
-        </a:fontRef>
-      </dsp:style>
-      <dsp:txBody>
-        <a:bodyPr spcFirstLastPara="0" vert="horz" wrap="square" lIns="0" tIns="0" rIns="0" bIns="0" numCol="1" spcCol="1270" anchor="ctr" anchorCtr="0">
-          <a:noAutofit/>
-        </a:bodyPr>
-        <a:lstStyle/>
-        <a:p>
-          <a:pPr lvl="0" algn="ctr" defTabSz="622300">
-            <a:lnSpc>
-              <a:spcPct val="90000"/>
-            </a:lnSpc>
-            <a:spcBef>
-              <a:spcPct val="0"/>
-            </a:spcBef>
-            <a:spcAft>
-              <a:spcPct val="35000"/>
-            </a:spcAft>
-          </a:pPr>
-          <a:endParaRPr kumimoji="1" lang="ja-JP" altLang="en-US" sz="1400" kern="1200"/>
-        </a:p>
-      </dsp:txBody>
-      <dsp:txXfrm rot="-5400000">
-        <a:off x="2951797" y="757760"/>
-        <a:ext cx="192406" cy="187061"/>
-      </dsp:txXfrm>
-    </dsp:sp>
-    <dsp:sp modelId="{11644E5F-93D6-4E9E-8C70-5DD93CB11B6C}">
-      <dsp:nvSpPr>
-        <dsp:cNvPr id="0" name=""/>
-        <dsp:cNvSpPr/>
-      </dsp:nvSpPr>
-      <dsp:spPr>
-        <a:xfrm>
-          <a:off x="2308663" y="1069529"/>
-          <a:ext cx="1478673" cy="712613"/>
-        </a:xfrm>
-        <a:prstGeom prst="roundRect">
-          <a:avLst>
-            <a:gd name="adj" fmla="val 10000"/>
-          </a:avLst>
-        </a:prstGeom>
-        <a:solidFill>
-          <a:schemeClr val="accent1">
-            <a:hueOff val="0"/>
-            <a:satOff val="0"/>
-            <a:lumOff val="0"/>
-            <a:alphaOff val="0"/>
-          </a:schemeClr>
-        </a:solidFill>
-        <a:ln w="19050" cap="rnd" cmpd="sng" algn="ctr">
-          <a:solidFill>
-            <a:schemeClr val="lt1">
-              <a:hueOff val="0"/>
-              <a:satOff val="0"/>
-              <a:lumOff val="0"/>
-              <a:alphaOff val="0"/>
-            </a:schemeClr>
-          </a:solidFill>
-          <a:prstDash val="solid"/>
-        </a:ln>
-        <a:effectLst/>
-      </dsp:spPr>
-      <dsp:style>
-        <a:lnRef idx="2">
-          <a:scrgbClr r="0" g="0" b="0"/>
-        </a:lnRef>
-        <a:fillRef idx="1">
-          <a:scrgbClr r="0" g="0" b="0"/>
-        </a:fillRef>
-        <a:effectRef idx="0">
-          <a:scrgbClr r="0" g="0" b="0"/>
-        </a:effectRef>
-        <a:fontRef idx="minor">
-          <a:schemeClr val="lt1"/>
-        </a:fontRef>
-      </dsp:style>
-      <dsp:txBody>
-        <a:bodyPr spcFirstLastPara="0" vert="horz" wrap="square" lIns="76200" tIns="76200" rIns="76200" bIns="76200" numCol="1" spcCol="1270" anchor="ctr" anchorCtr="0">
-          <a:noAutofit/>
-        </a:bodyPr>
-        <a:lstStyle/>
-        <a:p>
-          <a:pPr lvl="0" algn="ctr" defTabSz="889000">
-            <a:lnSpc>
-              <a:spcPct val="90000"/>
-            </a:lnSpc>
-            <a:spcBef>
-              <a:spcPct val="0"/>
-            </a:spcBef>
-            <a:spcAft>
-              <a:spcPct val="35000"/>
-            </a:spcAft>
-          </a:pPr>
-          <a:r>
-            <a:rPr kumimoji="1" lang="en-US" altLang="ja-JP" sz="2000" kern="1200" dirty="0" smtClean="0">
-              <a:latin typeface="+mj-ea"/>
-              <a:ea typeface="+mj-ea"/>
-            </a:rPr>
-            <a:t>BIOS</a:t>
-          </a:r>
-          <a:endParaRPr kumimoji="1" lang="ja-JP" altLang="en-US" sz="2000" kern="1200" dirty="0">
-            <a:latin typeface="+mj-ea"/>
-            <a:ea typeface="+mj-ea"/>
-          </a:endParaRPr>
-        </a:p>
-      </dsp:txBody>
-      <dsp:txXfrm>
-        <a:off x="2329535" y="1090401"/>
-        <a:ext cx="1436929" cy="670869"/>
-      </dsp:txXfrm>
-    </dsp:sp>
-    <dsp:sp modelId="{1D2D6176-D486-4D8D-9672-85E0F2944FCD}">
-      <dsp:nvSpPr>
-        <dsp:cNvPr id="0" name=""/>
-        <dsp:cNvSpPr/>
-      </dsp:nvSpPr>
-      <dsp:spPr>
-        <a:xfrm rot="5400000">
-          <a:off x="2914384" y="1799958"/>
-          <a:ext cx="267230" cy="320676"/>
-        </a:xfrm>
-        <a:prstGeom prst="rightArrow">
-          <a:avLst>
-            <a:gd name="adj1" fmla="val 60000"/>
-            <a:gd name="adj2" fmla="val 50000"/>
-          </a:avLst>
-        </a:prstGeom>
-        <a:solidFill>
-          <a:schemeClr val="accent1">
-            <a:tint val="60000"/>
-            <a:hueOff val="0"/>
-            <a:satOff val="0"/>
-            <a:lumOff val="0"/>
-            <a:alphaOff val="0"/>
-          </a:schemeClr>
-        </a:solidFill>
-        <a:ln>
-          <a:noFill/>
-        </a:ln>
-        <a:effectLst/>
-      </dsp:spPr>
-      <dsp:style>
-        <a:lnRef idx="0">
-          <a:scrgbClr r="0" g="0" b="0"/>
-        </a:lnRef>
-        <a:fillRef idx="1">
-          <a:scrgbClr r="0" g="0" b="0"/>
-        </a:fillRef>
-        <a:effectRef idx="0">
-          <a:scrgbClr r="0" g="0" b="0"/>
-        </a:effectRef>
-        <a:fontRef idx="minor">
-          <a:schemeClr val="lt1"/>
-        </a:fontRef>
-      </dsp:style>
-      <dsp:txBody>
-        <a:bodyPr spcFirstLastPara="0" vert="horz" wrap="square" lIns="0" tIns="0" rIns="0" bIns="0" numCol="1" spcCol="1270" anchor="ctr" anchorCtr="0">
-          <a:noAutofit/>
-        </a:bodyPr>
-        <a:lstStyle/>
-        <a:p>
-          <a:pPr lvl="0" algn="ctr" defTabSz="622300">
-            <a:lnSpc>
-              <a:spcPct val="90000"/>
-            </a:lnSpc>
-            <a:spcBef>
-              <a:spcPct val="0"/>
-            </a:spcBef>
-            <a:spcAft>
-              <a:spcPct val="35000"/>
-            </a:spcAft>
-          </a:pPr>
-          <a:endParaRPr kumimoji="1" lang="ja-JP" altLang="en-US" sz="1400" kern="1200"/>
-        </a:p>
-      </dsp:txBody>
-      <dsp:txXfrm rot="-5400000">
-        <a:off x="2951797" y="1826681"/>
-        <a:ext cx="192406" cy="187061"/>
-      </dsp:txXfrm>
-    </dsp:sp>
-    <dsp:sp modelId="{6D50DCE6-7E12-4CC7-A2C9-0738A9AA0DCF}">
-      <dsp:nvSpPr>
-        <dsp:cNvPr id="0" name=""/>
-        <dsp:cNvSpPr/>
-      </dsp:nvSpPr>
-      <dsp:spPr>
-        <a:xfrm>
-          <a:off x="2308663" y="2138449"/>
-          <a:ext cx="1478673" cy="712613"/>
-        </a:xfrm>
-        <a:prstGeom prst="roundRect">
-          <a:avLst>
-            <a:gd name="adj" fmla="val 10000"/>
-          </a:avLst>
-        </a:prstGeom>
-        <a:solidFill>
-          <a:schemeClr val="accent1">
-            <a:hueOff val="0"/>
-            <a:satOff val="0"/>
-            <a:lumOff val="0"/>
-            <a:alphaOff val="0"/>
-          </a:schemeClr>
-        </a:solidFill>
-        <a:ln w="19050" cap="rnd" cmpd="sng" algn="ctr">
-          <a:solidFill>
-            <a:schemeClr val="lt1">
-              <a:hueOff val="0"/>
-              <a:satOff val="0"/>
-              <a:lumOff val="0"/>
-              <a:alphaOff val="0"/>
-            </a:schemeClr>
-          </a:solidFill>
-          <a:prstDash val="solid"/>
-        </a:ln>
-        <a:effectLst/>
-      </dsp:spPr>
-      <dsp:style>
-        <a:lnRef idx="2">
-          <a:scrgbClr r="0" g="0" b="0"/>
-        </a:lnRef>
-        <a:fillRef idx="1">
-          <a:scrgbClr r="0" g="0" b="0"/>
-        </a:fillRef>
-        <a:effectRef idx="0">
-          <a:scrgbClr r="0" g="0" b="0"/>
-        </a:effectRef>
-        <a:fontRef idx="minor">
-          <a:schemeClr val="lt1"/>
-        </a:fontRef>
-      </dsp:style>
-      <dsp:txBody>
-        <a:bodyPr spcFirstLastPara="0" vert="horz" wrap="square" lIns="68580" tIns="68580" rIns="68580" bIns="68580" numCol="1" spcCol="1270" anchor="ctr" anchorCtr="0">
-          <a:noAutofit/>
-        </a:bodyPr>
-        <a:lstStyle/>
-        <a:p>
-          <a:pPr lvl="0" algn="ctr" defTabSz="800100">
-            <a:lnSpc>
-              <a:spcPct val="90000"/>
-            </a:lnSpc>
-            <a:spcBef>
-              <a:spcPct val="0"/>
-            </a:spcBef>
-            <a:spcAft>
-              <a:spcPct val="35000"/>
-            </a:spcAft>
-          </a:pPr>
-          <a:r>
-            <a:rPr kumimoji="1" lang="en-US" altLang="ja-JP" sz="1800" kern="1200" dirty="0" err="1" smtClean="0">
-              <a:latin typeface="+mj-ea"/>
-              <a:ea typeface="+mj-ea"/>
-            </a:rPr>
-            <a:t>BootLoader</a:t>
-          </a:r>
-          <a:endParaRPr kumimoji="1" lang="ja-JP" altLang="en-US" sz="1800" kern="1200" dirty="0">
-            <a:latin typeface="+mj-ea"/>
-            <a:ea typeface="+mj-ea"/>
-          </a:endParaRPr>
-        </a:p>
-      </dsp:txBody>
-      <dsp:txXfrm>
-        <a:off x="2329535" y="2159321"/>
-        <a:ext cx="1436929" cy="670869"/>
-      </dsp:txXfrm>
-    </dsp:sp>
-    <dsp:sp modelId="{54D88A3D-E3D9-4EE8-B7B5-AB460A151184}">
-      <dsp:nvSpPr>
-        <dsp:cNvPr id="0" name=""/>
-        <dsp:cNvSpPr/>
-      </dsp:nvSpPr>
-      <dsp:spPr>
-        <a:xfrm rot="5400000">
-          <a:off x="2914384" y="2868878"/>
-          <a:ext cx="267230" cy="320676"/>
-        </a:xfrm>
-        <a:prstGeom prst="rightArrow">
-          <a:avLst>
-            <a:gd name="adj1" fmla="val 60000"/>
-            <a:gd name="adj2" fmla="val 50000"/>
-          </a:avLst>
-        </a:prstGeom>
-        <a:solidFill>
-          <a:schemeClr val="accent1">
-            <a:tint val="60000"/>
-            <a:hueOff val="0"/>
-            <a:satOff val="0"/>
-            <a:lumOff val="0"/>
-            <a:alphaOff val="0"/>
-          </a:schemeClr>
-        </a:solidFill>
-        <a:ln>
-          <a:noFill/>
-        </a:ln>
-        <a:effectLst/>
-      </dsp:spPr>
-      <dsp:style>
-        <a:lnRef idx="0">
-          <a:scrgbClr r="0" g="0" b="0"/>
-        </a:lnRef>
-        <a:fillRef idx="1">
-          <a:scrgbClr r="0" g="0" b="0"/>
-        </a:fillRef>
-        <a:effectRef idx="0">
-          <a:scrgbClr r="0" g="0" b="0"/>
-        </a:effectRef>
-        <a:fontRef idx="minor">
-          <a:schemeClr val="lt1"/>
-        </a:fontRef>
-      </dsp:style>
-      <dsp:txBody>
-        <a:bodyPr spcFirstLastPara="0" vert="horz" wrap="square" lIns="0" tIns="0" rIns="0" bIns="0" numCol="1" spcCol="1270" anchor="ctr" anchorCtr="0">
-          <a:noAutofit/>
-        </a:bodyPr>
-        <a:lstStyle/>
-        <a:p>
-          <a:pPr lvl="0" algn="ctr" defTabSz="622300">
-            <a:lnSpc>
-              <a:spcPct val="90000"/>
-            </a:lnSpc>
-            <a:spcBef>
-              <a:spcPct val="0"/>
-            </a:spcBef>
-            <a:spcAft>
-              <a:spcPct val="35000"/>
-            </a:spcAft>
-          </a:pPr>
-          <a:endParaRPr kumimoji="1" lang="ja-JP" altLang="en-US" sz="1400" kern="1200"/>
-        </a:p>
-      </dsp:txBody>
-      <dsp:txXfrm rot="-5400000">
-        <a:off x="2951797" y="2895601"/>
-        <a:ext cx="192406" cy="187061"/>
-      </dsp:txXfrm>
-    </dsp:sp>
-    <dsp:sp modelId="{DC034633-9D50-405A-8E58-18111EE83C5C}">
-      <dsp:nvSpPr>
-        <dsp:cNvPr id="0" name=""/>
-        <dsp:cNvSpPr/>
-      </dsp:nvSpPr>
-      <dsp:spPr>
-        <a:xfrm>
-          <a:off x="2308663" y="3207370"/>
-          <a:ext cx="1478673" cy="712613"/>
-        </a:xfrm>
-        <a:prstGeom prst="roundRect">
-          <a:avLst>
-            <a:gd name="adj" fmla="val 10000"/>
-          </a:avLst>
-        </a:prstGeom>
-        <a:solidFill>
-          <a:schemeClr val="accent1">
-            <a:hueOff val="0"/>
-            <a:satOff val="0"/>
-            <a:lumOff val="0"/>
-            <a:alphaOff val="0"/>
-          </a:schemeClr>
-        </a:solidFill>
-        <a:ln w="19050" cap="rnd" cmpd="sng" algn="ctr">
-          <a:solidFill>
-            <a:schemeClr val="lt1">
-              <a:hueOff val="0"/>
-              <a:satOff val="0"/>
-              <a:lumOff val="0"/>
-              <a:alphaOff val="0"/>
-            </a:schemeClr>
-          </a:solidFill>
-          <a:prstDash val="solid"/>
-        </a:ln>
-        <a:effectLst/>
-      </dsp:spPr>
-      <dsp:style>
-        <a:lnRef idx="2">
-          <a:scrgbClr r="0" g="0" b="0"/>
-        </a:lnRef>
-        <a:fillRef idx="1">
-          <a:scrgbClr r="0" g="0" b="0"/>
-        </a:fillRef>
-        <a:effectRef idx="0">
-          <a:scrgbClr r="0" g="0" b="0"/>
-        </a:effectRef>
-        <a:fontRef idx="minor">
-          <a:schemeClr val="lt1"/>
-        </a:fontRef>
-      </dsp:style>
-      <dsp:txBody>
-        <a:bodyPr spcFirstLastPara="0" vert="horz" wrap="square" lIns="68580" tIns="68580" rIns="68580" bIns="68580" numCol="1" spcCol="1270" anchor="ctr" anchorCtr="0">
-          <a:noAutofit/>
-        </a:bodyPr>
-        <a:lstStyle/>
-        <a:p>
-          <a:pPr lvl="0" algn="ctr" defTabSz="800100">
-            <a:lnSpc>
-              <a:spcPct val="90000"/>
-            </a:lnSpc>
-            <a:spcBef>
-              <a:spcPct val="0"/>
-            </a:spcBef>
-            <a:spcAft>
-              <a:spcPct val="35000"/>
-            </a:spcAft>
-          </a:pPr>
-          <a:r>
-            <a:rPr kumimoji="1" lang="en-US" altLang="ja-JP" sz="1800" kern="1200" dirty="0" smtClean="0"/>
-            <a:t>OS</a:t>
-          </a:r>
-          <a:r>
-            <a:rPr kumimoji="1" lang="ja-JP" altLang="en-US" sz="1800" kern="1200" dirty="0" smtClean="0"/>
-            <a:t>カーネル</a:t>
-          </a:r>
-          <a:endParaRPr kumimoji="1" lang="ja-JP" altLang="en-US" sz="1800" kern="1200" dirty="0"/>
-        </a:p>
-      </dsp:txBody>
-      <dsp:txXfrm>
-        <a:off x="2329535" y="3228242"/>
-        <a:ext cx="1436929" cy="670869"/>
-      </dsp:txXfrm>
-    </dsp:sp>
-    <dsp:sp modelId="{BDA6ECFD-CDAD-45D6-BA37-0224CB91C188}">
-      <dsp:nvSpPr>
-        <dsp:cNvPr id="0" name=""/>
-        <dsp:cNvSpPr/>
-      </dsp:nvSpPr>
-      <dsp:spPr>
-        <a:xfrm rot="5400000">
-          <a:off x="2914384" y="3937798"/>
-          <a:ext cx="267230" cy="320676"/>
-        </a:xfrm>
-        <a:prstGeom prst="rightArrow">
-          <a:avLst>
-            <a:gd name="adj1" fmla="val 60000"/>
-            <a:gd name="adj2" fmla="val 50000"/>
-          </a:avLst>
-        </a:prstGeom>
-        <a:solidFill>
-          <a:schemeClr val="accent1">
-            <a:tint val="60000"/>
-            <a:hueOff val="0"/>
-            <a:satOff val="0"/>
-            <a:lumOff val="0"/>
-            <a:alphaOff val="0"/>
-          </a:schemeClr>
-        </a:solidFill>
-        <a:ln>
-          <a:noFill/>
-        </a:ln>
-        <a:effectLst/>
-      </dsp:spPr>
-      <dsp:style>
-        <a:lnRef idx="0">
-          <a:scrgbClr r="0" g="0" b="0"/>
-        </a:lnRef>
-        <a:fillRef idx="1">
-          <a:scrgbClr r="0" g="0" b="0"/>
-        </a:fillRef>
-        <a:effectRef idx="0">
-          <a:scrgbClr r="0" g="0" b="0"/>
-        </a:effectRef>
-        <a:fontRef idx="minor">
-          <a:schemeClr val="lt1"/>
-        </a:fontRef>
-      </dsp:style>
-      <dsp:txBody>
-        <a:bodyPr spcFirstLastPara="0" vert="horz" wrap="square" lIns="0" tIns="0" rIns="0" bIns="0" numCol="1" spcCol="1270" anchor="ctr" anchorCtr="0">
-          <a:noAutofit/>
-        </a:bodyPr>
-        <a:lstStyle/>
-        <a:p>
-          <a:pPr lvl="0" algn="ctr" defTabSz="622300">
-            <a:lnSpc>
-              <a:spcPct val="90000"/>
-            </a:lnSpc>
-            <a:spcBef>
-              <a:spcPct val="0"/>
-            </a:spcBef>
-            <a:spcAft>
-              <a:spcPct val="35000"/>
-            </a:spcAft>
-          </a:pPr>
-          <a:endParaRPr kumimoji="1" lang="ja-JP" altLang="en-US" sz="1400" kern="1200"/>
-        </a:p>
-      </dsp:txBody>
-      <dsp:txXfrm rot="-5400000">
-        <a:off x="2951797" y="3964521"/>
-        <a:ext cx="192406" cy="187061"/>
-      </dsp:txXfrm>
-    </dsp:sp>
-    <dsp:sp modelId="{1D338B4E-CED8-4094-97F5-42EC65AB3EE2}">
-      <dsp:nvSpPr>
-        <dsp:cNvPr id="0" name=""/>
-        <dsp:cNvSpPr/>
-      </dsp:nvSpPr>
-      <dsp:spPr>
-        <a:xfrm>
-          <a:off x="2308663" y="4276290"/>
-          <a:ext cx="1478673" cy="712613"/>
-        </a:xfrm>
-        <a:prstGeom prst="roundRect">
-          <a:avLst>
-            <a:gd name="adj" fmla="val 10000"/>
-          </a:avLst>
-        </a:prstGeom>
-        <a:solidFill>
-          <a:schemeClr val="accent1">
-            <a:hueOff val="0"/>
-            <a:satOff val="0"/>
-            <a:lumOff val="0"/>
-            <a:alphaOff val="0"/>
-          </a:schemeClr>
-        </a:solidFill>
-        <a:ln w="19050" cap="rnd" cmpd="sng" algn="ctr">
-          <a:solidFill>
-            <a:schemeClr val="lt1">
-              <a:hueOff val="0"/>
-              <a:satOff val="0"/>
-              <a:lumOff val="0"/>
-              <a:alphaOff val="0"/>
-            </a:schemeClr>
-          </a:solidFill>
-          <a:prstDash val="solid"/>
-        </a:ln>
-        <a:effectLst/>
-      </dsp:spPr>
-      <dsp:style>
-        <a:lnRef idx="2">
-          <a:scrgbClr r="0" g="0" b="0"/>
-        </a:lnRef>
-        <a:fillRef idx="1">
-          <a:scrgbClr r="0" g="0" b="0"/>
-        </a:fillRef>
-        <a:effectRef idx="0">
-          <a:scrgbClr r="0" g="0" b="0"/>
-        </a:effectRef>
-        <a:fontRef idx="minor">
-          <a:schemeClr val="lt1"/>
-        </a:fontRef>
-      </dsp:style>
-      <dsp:txBody>
-        <a:bodyPr spcFirstLastPara="0" vert="horz" wrap="square" lIns="68580" tIns="68580" rIns="68580" bIns="68580" numCol="1" spcCol="1270" anchor="ctr" anchorCtr="0">
-          <a:noAutofit/>
-        </a:bodyPr>
-        <a:lstStyle/>
-        <a:p>
-          <a:pPr lvl="0" algn="ctr" defTabSz="800100">
-            <a:lnSpc>
-              <a:spcPct val="90000"/>
-            </a:lnSpc>
-            <a:spcBef>
-              <a:spcPct val="0"/>
-            </a:spcBef>
-            <a:spcAft>
-              <a:spcPct val="35000"/>
-            </a:spcAft>
-          </a:pPr>
-          <a:r>
-            <a:rPr kumimoji="1" lang="en-US" altLang="ja-JP" sz="1800" kern="1200" dirty="0" err="1" smtClean="0">
-              <a:latin typeface="+mj-ea"/>
-              <a:ea typeface="+mj-ea"/>
-            </a:rPr>
-            <a:t>init</a:t>
-          </a:r>
-          <a:endParaRPr kumimoji="1" lang="ja-JP" altLang="en-US" sz="1800" kern="1200" dirty="0">
-            <a:latin typeface="+mj-ea"/>
-            <a:ea typeface="+mj-ea"/>
-          </a:endParaRPr>
-        </a:p>
-      </dsp:txBody>
-      <dsp:txXfrm>
-        <a:off x="2329535" y="4297162"/>
-        <a:ext cx="1436929" cy="670869"/>
-      </dsp:txXfrm>
-    </dsp:sp>
   </dsp:spTree>
 </dsp:drawing>
 </file>
@@ -5130,19 +4437,7 @@
                 <a:ea typeface="+mn-ea"/>
                 <a:cs typeface="+mn-cs"/>
               </a:rPr>
-              <a:t>に</a:t>
-            </a:r>
-            <a:r>
-              <a:rPr kumimoji="1" lang="ja-JP" altLang="en-US" sz="1200" b="0" i="0" kern="1200" dirty="0" smtClean="0">
-                <a:solidFill>
-                  <a:schemeClr val="tx1"/>
-                </a:solidFill>
-                <a:effectLst/>
-                <a:latin typeface="+mn-lt"/>
-                <a:ea typeface="+mn-ea"/>
-                <a:cs typeface="+mn-cs"/>
-              </a:rPr>
-              <a:t>移りつつある。</a:t>
+              <a:t>に移りつつある。</a:t>
             </a:r>
             <a:endParaRPr kumimoji="1" lang="ja-JP" altLang="en-US" b="0" dirty="0" smtClean="0"/>
           </a:p>
@@ -6335,7 +5630,39 @@
           <a:bodyPr/>
           <a:lstStyle/>
           <a:p>
-            <a:endParaRPr kumimoji="1" lang="ja-JP" altLang="en-US"/>
+            <a:r>
+              <a:rPr kumimoji="1" lang="en-US" altLang="ja-JP" dirty="0" smtClean="0"/>
+              <a:t>UEFI BIOS</a:t>
+            </a:r>
+            <a:r>
+              <a:rPr kumimoji="1" lang="ja-JP" altLang="en-US" dirty="0" smtClean="0"/>
+              <a:t>がブートストラップローダとブートフラグを用いるブート方式を踏襲していないため、ブート対照の</a:t>
+            </a:r>
+            <a:r>
+              <a:rPr kumimoji="1" lang="en-US" altLang="ja-JP" dirty="0" smtClean="0"/>
+              <a:t>HDD</a:t>
+            </a:r>
+            <a:r>
+              <a:rPr kumimoji="1" lang="ja-JP" altLang="en-US" dirty="0" smtClean="0"/>
+              <a:t>の</a:t>
+            </a:r>
+            <a:r>
+              <a:rPr kumimoji="1" lang="en-US" altLang="ja-JP" dirty="0" smtClean="0"/>
+              <a:t>GPT</a:t>
+            </a:r>
+            <a:r>
+              <a:rPr kumimoji="1" lang="ja-JP" altLang="en-US" dirty="0" smtClean="0"/>
+              <a:t>を参照し、</a:t>
+            </a:r>
+            <a:r>
+              <a:rPr kumimoji="1" lang="en-US" altLang="ja-JP" dirty="0" smtClean="0"/>
+              <a:t>EFI System partition</a:t>
+            </a:r>
+            <a:r>
+              <a:rPr kumimoji="1" lang="ja-JP" altLang="en-US" dirty="0" smtClean="0"/>
+              <a:t>　を探す</a:t>
+            </a:r>
+            <a:endParaRPr kumimoji="1" lang="ja-JP" altLang="en-US" dirty="0"/>
           </a:p>
         </p:txBody>
       </p:sp>
@@ -6356,6 +5683,90 @@
           <a:p>
             <a:fld id="{30B67BA1-50C0-4890-BFDE-B7DC742089CA}" type="slidenum">
               <a:rPr kumimoji="1" lang="ja-JP" altLang="en-US" smtClean="0"/>
+              <a:t>29</a:t>
+            </a:fld>
+            <a:endParaRPr kumimoji="1" lang="ja-JP" altLang="en-US"/>
+          </a:p>
+        </p:txBody>
+      </p:sp>
+    </p:spTree>
+    <p:extLst>
+      <p:ext uri="{BB962C8B-B14F-4D97-AF65-F5344CB8AC3E}">
+        <p14:creationId xmlns:p14="http://schemas.microsoft.com/office/powerpoint/2010/main" val="4176792948"/>
+      </p:ext>
+    </p:extLst>
+  </p:cSld>
+  <p:clrMapOvr>
+    <a:masterClrMapping/>
+  </p:clrMapOvr>
+</p:notes>
+</file>
+
+<file path=ppt/notesSlides/notesSlide23.xml><?xml version="1.0" encoding="utf-8"?>
+<p:notes xmlns:a="http://schemas.openxmlformats.org/drawingml/2006/main" xmlns:r="http://schemas.openxmlformats.org/officeDocument/2006/relationships" xmlns:p="http://schemas.openxmlformats.org/presentationml/2006/main">
+  <p:cSld>
+    <p:spTree>
+      <p:nvGrpSpPr>
+        <p:cNvPr id="1" name=""/>
+        <p:cNvGrpSpPr/>
+        <p:nvPr/>
+      </p:nvGrpSpPr>
+      <p:grpSpPr>
+        <a:xfrm>
+          <a:off x="0" y="0"/>
+          <a:ext cx="0" cy="0"/>
+          <a:chOff x="0" y="0"/>
+          <a:chExt cx="0" cy="0"/>
+        </a:xfrm>
+      </p:grpSpPr>
+      <p:sp>
+        <p:nvSpPr>
+          <p:cNvPr id="2" name="スライド イメージ プレースホルダー 1"/>
+          <p:cNvSpPr>
+            <a:spLocks noGrp="1" noRot="1" noChangeAspect="1"/>
+          </p:cNvSpPr>
+          <p:nvPr>
+            <p:ph type="sldImg"/>
+          </p:nvPr>
+        </p:nvSpPr>
+        <p:spPr/>
+      </p:sp>
+      <p:sp>
+        <p:nvSpPr>
+          <p:cNvPr id="3" name="ノート プレースホルダー 2"/>
+          <p:cNvSpPr>
+            <a:spLocks noGrp="1"/>
+          </p:cNvSpPr>
+          <p:nvPr>
+            <p:ph type="body" idx="1"/>
+          </p:nvPr>
+        </p:nvSpPr>
+        <p:spPr/>
+        <p:txBody>
+          <a:bodyPr/>
+          <a:lstStyle/>
+          <a:p>
+            <a:endParaRPr kumimoji="1" lang="ja-JP" altLang="en-US"/>
+          </a:p>
+        </p:txBody>
+      </p:sp>
+      <p:sp>
+        <p:nvSpPr>
+          <p:cNvPr id="4" name="スライド番号プレースホルダー 3"/>
+          <p:cNvSpPr>
+            <a:spLocks noGrp="1"/>
+          </p:cNvSpPr>
+          <p:nvPr>
+            <p:ph type="sldNum" sz="quarter" idx="10"/>
+          </p:nvPr>
+        </p:nvSpPr>
+        <p:spPr/>
+        <p:txBody>
+          <a:bodyPr/>
+          <a:lstStyle/>
+          <a:p>
+            <a:fld id="{30B67BA1-50C0-4890-BFDE-B7DC742089CA}" type="slidenum">
+              <a:rPr kumimoji="1" lang="ja-JP" altLang="en-US" smtClean="0"/>
               <a:t>30</a:t>
             </a:fld>
             <a:endParaRPr kumimoji="1" lang="ja-JP" altLang="en-US"/>
@@ -6375,7 +5786,7 @@
 </p:notes>
 </file>
 
-<file path=ppt/notesSlides/notesSlide23.xml><?xml version="1.0" encoding="utf-8"?>
+<file path=ppt/notesSlides/notesSlide24.xml><?xml version="1.0" encoding="utf-8"?>
 <p:notes xmlns:a="http://schemas.openxmlformats.org/drawingml/2006/main" xmlns:r="http://schemas.openxmlformats.org/officeDocument/2006/relationships" xmlns:p="http://schemas.openxmlformats.org/presentationml/2006/main">
   <p:cSld>
     <p:spTree>
@@ -24808,14 +24219,14 @@
                 <a:gridCol w="1695219">
                   <a:extLst>
                     <a:ext uri="{9D8B030D-6E8A-4147-A177-3AD203B41FA5}">
-                      <a16:colId xmlns:a16="http://schemas.microsoft.com/office/drawing/2014/main" xmlns="" val="2939856743"/>
+                      <a16:colId xmlns="" xmlns:a16="http://schemas.microsoft.com/office/drawing/2014/main" val="2939856743"/>
                     </a:ext>
                   </a:extLst>
                 </a:gridCol>
                 <a:gridCol w="4446918">
                   <a:extLst>
                     <a:ext uri="{9D8B030D-6E8A-4147-A177-3AD203B41FA5}">
-                      <a16:colId xmlns:a16="http://schemas.microsoft.com/office/drawing/2014/main" xmlns="" val="3292976874"/>
+                      <a16:colId xmlns="" xmlns:a16="http://schemas.microsoft.com/office/drawing/2014/main" val="3292976874"/>
                     </a:ext>
                   </a:extLst>
                 </a:gridCol>
@@ -24857,7 +24268,7 @@
                 </a:tc>
                 <a:extLst>
                   <a:ext uri="{0D108BD9-81ED-4DB2-BD59-A6C34878D82A}">
-                    <a16:rowId xmlns:a16="http://schemas.microsoft.com/office/drawing/2014/main" xmlns="" val="405231833"/>
+                    <a16:rowId xmlns="" xmlns:a16="http://schemas.microsoft.com/office/drawing/2014/main" val="405231833"/>
                   </a:ext>
                 </a:extLst>
               </a:tr>
@@ -24902,7 +24313,7 @@
                 </a:tc>
                 <a:extLst>
                   <a:ext uri="{0D108BD9-81ED-4DB2-BD59-A6C34878D82A}">
-                    <a16:rowId xmlns:a16="http://schemas.microsoft.com/office/drawing/2014/main" xmlns="" val="1818669662"/>
+                    <a16:rowId xmlns="" xmlns:a16="http://schemas.microsoft.com/office/drawing/2014/main" val="1818669662"/>
                   </a:ext>
                 </a:extLst>
               </a:tr>
@@ -24947,7 +24358,7 @@
                 </a:tc>
                 <a:extLst>
                   <a:ext uri="{0D108BD9-81ED-4DB2-BD59-A6C34878D82A}">
-                    <a16:rowId xmlns:a16="http://schemas.microsoft.com/office/drawing/2014/main" xmlns="" val="1228975707"/>
+                    <a16:rowId xmlns="" xmlns:a16="http://schemas.microsoft.com/office/drawing/2014/main" val="1228975707"/>
                   </a:ext>
                 </a:extLst>
               </a:tr>
@@ -25017,7 +24428,7 @@
                 </a:tc>
                 <a:extLst>
                   <a:ext uri="{0D108BD9-81ED-4DB2-BD59-A6C34878D82A}">
-                    <a16:rowId xmlns:a16="http://schemas.microsoft.com/office/drawing/2014/main" xmlns="" val="860261143"/>
+                    <a16:rowId xmlns="" xmlns:a16="http://schemas.microsoft.com/office/drawing/2014/main" val="860261143"/>
                   </a:ext>
                 </a:extLst>
               </a:tr>
@@ -25087,7 +24498,7 @@
                 </a:tc>
                 <a:extLst>
                   <a:ext uri="{0D108BD9-81ED-4DB2-BD59-A6C34878D82A}">
-                    <a16:rowId xmlns:a16="http://schemas.microsoft.com/office/drawing/2014/main" xmlns="" val="3003231980"/>
+                    <a16:rowId xmlns="" xmlns:a16="http://schemas.microsoft.com/office/drawing/2014/main" val="3003231980"/>
                   </a:ext>
                 </a:extLst>
               </a:tr>
@@ -25136,7 +24547,7 @@
                 </a:tc>
                 <a:extLst>
                   <a:ext uri="{0D108BD9-81ED-4DB2-BD59-A6C34878D82A}">
-                    <a16:rowId xmlns:a16="http://schemas.microsoft.com/office/drawing/2014/main" xmlns="" val="2109871750"/>
+                    <a16:rowId xmlns="" xmlns:a16="http://schemas.microsoft.com/office/drawing/2014/main" val="2109871750"/>
                   </a:ext>
                 </a:extLst>
               </a:tr>
@@ -25199,7 +24610,7 @@
                 </a:tc>
                 <a:extLst>
                   <a:ext uri="{0D108BD9-81ED-4DB2-BD59-A6C34878D82A}">
-                    <a16:rowId xmlns:a16="http://schemas.microsoft.com/office/drawing/2014/main" xmlns="" val="2157780241"/>
+                    <a16:rowId xmlns="" xmlns:a16="http://schemas.microsoft.com/office/drawing/2014/main" val="2157780241"/>
                   </a:ext>
                 </a:extLst>
               </a:tr>
@@ -25244,7 +24655,7 @@
                 </a:tc>
                 <a:extLst>
                   <a:ext uri="{0D108BD9-81ED-4DB2-BD59-A6C34878D82A}">
-                    <a16:rowId xmlns:a16="http://schemas.microsoft.com/office/drawing/2014/main" xmlns="" val="2830761072"/>
+                    <a16:rowId xmlns="" xmlns:a16="http://schemas.microsoft.com/office/drawing/2014/main" val="2830761072"/>
                   </a:ext>
                 </a:extLst>
               </a:tr>
@@ -25589,14 +25000,14 @@
                 <a:gridCol w="1135267">
                   <a:extLst>
                     <a:ext uri="{9D8B030D-6E8A-4147-A177-3AD203B41FA5}">
-                      <a16:colId xmlns:a16="http://schemas.microsoft.com/office/drawing/2014/main" xmlns="" val="2939856743"/>
+                      <a16:colId xmlns="" xmlns:a16="http://schemas.microsoft.com/office/drawing/2014/main" val="2939856743"/>
                     </a:ext>
                   </a:extLst>
                 </a:gridCol>
                 <a:gridCol w="2978045">
                   <a:extLst>
                     <a:ext uri="{9D8B030D-6E8A-4147-A177-3AD203B41FA5}">
-                      <a16:colId xmlns:a16="http://schemas.microsoft.com/office/drawing/2014/main" xmlns="" val="3292976874"/>
+                      <a16:colId xmlns="" xmlns:a16="http://schemas.microsoft.com/office/drawing/2014/main" val="3292976874"/>
                     </a:ext>
                   </a:extLst>
                 </a:gridCol>
@@ -25638,7 +25049,7 @@
                 </a:tc>
                 <a:extLst>
                   <a:ext uri="{0D108BD9-81ED-4DB2-BD59-A6C34878D82A}">
-                    <a16:rowId xmlns:a16="http://schemas.microsoft.com/office/drawing/2014/main" xmlns="" val="405231833"/>
+                    <a16:rowId xmlns="" xmlns:a16="http://schemas.microsoft.com/office/drawing/2014/main" val="405231833"/>
                   </a:ext>
                 </a:extLst>
               </a:tr>
@@ -25683,7 +25094,7 @@
                 </a:tc>
                 <a:extLst>
                   <a:ext uri="{0D108BD9-81ED-4DB2-BD59-A6C34878D82A}">
-                    <a16:rowId xmlns:a16="http://schemas.microsoft.com/office/drawing/2014/main" xmlns="" val="1818669662"/>
+                    <a16:rowId xmlns="" xmlns:a16="http://schemas.microsoft.com/office/drawing/2014/main" val="1818669662"/>
                   </a:ext>
                 </a:extLst>
               </a:tr>
@@ -25737,7 +25148,7 @@
                 </a:tc>
                 <a:extLst>
                   <a:ext uri="{0D108BD9-81ED-4DB2-BD59-A6C34878D82A}">
-                    <a16:rowId xmlns:a16="http://schemas.microsoft.com/office/drawing/2014/main" xmlns="" val="1228975707"/>
+                    <a16:rowId xmlns="" xmlns:a16="http://schemas.microsoft.com/office/drawing/2014/main" val="1228975707"/>
                   </a:ext>
                 </a:extLst>
               </a:tr>
@@ -25807,7 +25218,7 @@
                 </a:tc>
                 <a:extLst>
                   <a:ext uri="{0D108BD9-81ED-4DB2-BD59-A6C34878D82A}">
-                    <a16:rowId xmlns:a16="http://schemas.microsoft.com/office/drawing/2014/main" xmlns="" val="860261143"/>
+                    <a16:rowId xmlns="" xmlns:a16="http://schemas.microsoft.com/office/drawing/2014/main" val="860261143"/>
                   </a:ext>
                 </a:extLst>
               </a:tr>
@@ -25877,7 +25288,7 @@
                 </a:tc>
                 <a:extLst>
                   <a:ext uri="{0D108BD9-81ED-4DB2-BD59-A6C34878D82A}">
-                    <a16:rowId xmlns:a16="http://schemas.microsoft.com/office/drawing/2014/main" xmlns="" val="3003231980"/>
+                    <a16:rowId xmlns="" xmlns:a16="http://schemas.microsoft.com/office/drawing/2014/main" val="3003231980"/>
                   </a:ext>
                 </a:extLst>
               </a:tr>
@@ -25926,7 +25337,7 @@
                 </a:tc>
                 <a:extLst>
                   <a:ext uri="{0D108BD9-81ED-4DB2-BD59-A6C34878D82A}">
-                    <a16:rowId xmlns:a16="http://schemas.microsoft.com/office/drawing/2014/main" xmlns="" val="2109871750"/>
+                    <a16:rowId xmlns="" xmlns:a16="http://schemas.microsoft.com/office/drawing/2014/main" val="2109871750"/>
                   </a:ext>
                 </a:extLst>
               </a:tr>
@@ -25989,7 +25400,7 @@
                 </a:tc>
                 <a:extLst>
                   <a:ext uri="{0D108BD9-81ED-4DB2-BD59-A6C34878D82A}">
-                    <a16:rowId xmlns:a16="http://schemas.microsoft.com/office/drawing/2014/main" xmlns="" val="2157780241"/>
+                    <a16:rowId xmlns="" xmlns:a16="http://schemas.microsoft.com/office/drawing/2014/main" val="2157780241"/>
                   </a:ext>
                 </a:extLst>
               </a:tr>
@@ -26034,7 +25445,7 @@
                 </a:tc>
                 <a:extLst>
                   <a:ext uri="{0D108BD9-81ED-4DB2-BD59-A6C34878D82A}">
-                    <a16:rowId xmlns:a16="http://schemas.microsoft.com/office/drawing/2014/main" xmlns="" val="2830761072"/>
+                    <a16:rowId xmlns="" xmlns:a16="http://schemas.microsoft.com/office/drawing/2014/main" val="2830761072"/>
                   </a:ext>
                 </a:extLst>
               </a:tr>
